--- a/lecture-slides/2020-02-13-oop.pptx
+++ b/lecture-slides/2020-02-13-oop.pptx
@@ -6928,7 +6928,7 @@
             <a:pPr lvl="1"/>
             <a:r>
               <a:rPr lang="en-US" sz="1600" dirty="0"/>
-              <a:t>Share notes with team and have each team member copy/paste notes into their individual DB2 post </a:t>
+              <a:t>Share notes with team and have each team member copy/paste notes into their individual DB3 post </a:t>
             </a:r>
           </a:p>
           <a:p>
@@ -7790,7 +7790,7 @@
           <a:graphicData uri="http://schemas.openxmlformats.org/presentationml/2006/ole">
             <mc:AlternateContent xmlns:mc="http://schemas.openxmlformats.org/markup-compatibility/2006">
               <mc:Choice xmlns:v="urn:schemas-microsoft-com:vml" Requires="v">
-                <p:oleObj spid="_x0000_s2050" name="Worksheet" r:id="rId4" imgW="4775200" imgH="3390900" progId="Excel.Sheet.8">
+                <p:oleObj spid="_x0000_s2051" name="Worksheet" r:id="rId4" imgW="4775200" imgH="3390900" progId="Excel.Sheet.8">
                   <p:embed/>
                 </p:oleObj>
               </mc:Choice>
